--- a/smartcab.pptx
+++ b/smartcab.pptx
@@ -7,6 +7,9 @@
   <p:sldIdLst>
     <p:sldId id="256" r:id="rId2"/>
     <p:sldId id="257" r:id="rId3"/>
+    <p:sldId id="258" r:id="rId4"/>
+    <p:sldId id="259" r:id="rId5"/>
+    <p:sldId id="260" r:id="rId6"/>
   </p:sldIdLst>
   <p:sldSz cx="12192000" cy="6858000"/>
   <p:notesSz cx="6858000" cy="9144000"/>
@@ -105,6 +108,11 @@
       </a:defRPr>
     </a:lvl9pPr>
   </p:defaultTextStyle>
+  <p:extLst>
+    <p:ext uri="{EFAFB233-063F-42B5-8137-9DF3F51BA10A}">
+      <p15:sldGuideLst xmlns:p15="http://schemas.microsoft.com/office/powerpoint/2012/main"/>
+    </p:ext>
+  </p:extLst>
 </p:presentation>
 </file>
 
@@ -239,7 +247,7 @@
           <a:p>
             <a:fld id="{582B91E9-D9E8-0D41-BAD7-8626A734C60B}" type="datetimeFigureOut">
               <a:rPr lang="en-US" smtClean="0"/>
-              <a:t>6/29/16</a:t>
+              <a:t>7/1/16</a:t>
             </a:fld>
             <a:endParaRPr lang="en-US"/>
           </a:p>
@@ -409,7 +417,7 @@
           <a:p>
             <a:fld id="{582B91E9-D9E8-0D41-BAD7-8626A734C60B}" type="datetimeFigureOut">
               <a:rPr lang="en-US" smtClean="0"/>
-              <a:t>6/29/16</a:t>
+              <a:t>7/1/16</a:t>
             </a:fld>
             <a:endParaRPr lang="en-US"/>
           </a:p>
@@ -589,7 +597,7 @@
           <a:p>
             <a:fld id="{582B91E9-D9E8-0D41-BAD7-8626A734C60B}" type="datetimeFigureOut">
               <a:rPr lang="en-US" smtClean="0"/>
-              <a:t>6/29/16</a:t>
+              <a:t>7/1/16</a:t>
             </a:fld>
             <a:endParaRPr lang="en-US"/>
           </a:p>
@@ -759,7 +767,7 @@
           <a:p>
             <a:fld id="{582B91E9-D9E8-0D41-BAD7-8626A734C60B}" type="datetimeFigureOut">
               <a:rPr lang="en-US" smtClean="0"/>
-              <a:t>6/29/16</a:t>
+              <a:t>7/1/16</a:t>
             </a:fld>
             <a:endParaRPr lang="en-US"/>
           </a:p>
@@ -1005,7 +1013,7 @@
           <a:p>
             <a:fld id="{582B91E9-D9E8-0D41-BAD7-8626A734C60B}" type="datetimeFigureOut">
               <a:rPr lang="en-US" smtClean="0"/>
-              <a:t>6/29/16</a:t>
+              <a:t>7/1/16</a:t>
             </a:fld>
             <a:endParaRPr lang="en-US"/>
           </a:p>
@@ -1237,7 +1245,7 @@
           <a:p>
             <a:fld id="{582B91E9-D9E8-0D41-BAD7-8626A734C60B}" type="datetimeFigureOut">
               <a:rPr lang="en-US" smtClean="0"/>
-              <a:t>6/29/16</a:t>
+              <a:t>7/1/16</a:t>
             </a:fld>
             <a:endParaRPr lang="en-US"/>
           </a:p>
@@ -1604,7 +1612,7 @@
           <a:p>
             <a:fld id="{582B91E9-D9E8-0D41-BAD7-8626A734C60B}" type="datetimeFigureOut">
               <a:rPr lang="en-US" smtClean="0"/>
-              <a:t>6/29/16</a:t>
+              <a:t>7/1/16</a:t>
             </a:fld>
             <a:endParaRPr lang="en-US"/>
           </a:p>
@@ -1722,7 +1730,7 @@
           <a:p>
             <a:fld id="{582B91E9-D9E8-0D41-BAD7-8626A734C60B}" type="datetimeFigureOut">
               <a:rPr lang="en-US" smtClean="0"/>
-              <a:t>6/29/16</a:t>
+              <a:t>7/1/16</a:t>
             </a:fld>
             <a:endParaRPr lang="en-US"/>
           </a:p>
@@ -1817,7 +1825,7 @@
           <a:p>
             <a:fld id="{582B91E9-D9E8-0D41-BAD7-8626A734C60B}" type="datetimeFigureOut">
               <a:rPr lang="en-US" smtClean="0"/>
-              <a:t>6/29/16</a:t>
+              <a:t>7/1/16</a:t>
             </a:fld>
             <a:endParaRPr lang="en-US"/>
           </a:p>
@@ -2094,7 +2102,7 @@
           <a:p>
             <a:fld id="{582B91E9-D9E8-0D41-BAD7-8626A734C60B}" type="datetimeFigureOut">
               <a:rPr lang="en-US" smtClean="0"/>
-              <a:t>6/29/16</a:t>
+              <a:t>7/1/16</a:t>
             </a:fld>
             <a:endParaRPr lang="en-US"/>
           </a:p>
@@ -2347,7 +2355,7 @@
           <a:p>
             <a:fld id="{582B91E9-D9E8-0D41-BAD7-8626A734C60B}" type="datetimeFigureOut">
               <a:rPr lang="en-US" smtClean="0"/>
-              <a:t>6/29/16</a:t>
+              <a:t>7/1/16</a:t>
             </a:fld>
             <a:endParaRPr lang="en-US"/>
           </a:p>
@@ -2560,7 +2568,7 @@
           <a:p>
             <a:fld id="{582B91E9-D9E8-0D41-BAD7-8626A734C60B}" type="datetimeFigureOut">
               <a:rPr lang="en-US" smtClean="0"/>
-              <a:t>6/29/16</a:t>
+              <a:t>7/1/16</a:t>
             </a:fld>
             <a:endParaRPr lang="en-US"/>
           </a:p>
@@ -3127,7 +3135,7 @@
           <a:p>
             <a:r>
               <a:rPr lang="en-US" dirty="0" smtClean="0"/>
-              <a:t>What you see in the agent’s behavior? Does it eventually make it to the target location? </a:t>
+              <a:t>What you see in the agent’s behavior? Does it eventually make it to the target location?  Yes, it can reach the destination. </a:t>
             </a:r>
             <a:endParaRPr lang="en-US" dirty="0"/>
           </a:p>
@@ -3137,6 +3145,307 @@
     <p:extLst>
       <p:ext uri="{BB962C8B-B14F-4D97-AF65-F5344CB8AC3E}">
         <p14:creationId xmlns:p14="http://schemas.microsoft.com/office/powerpoint/2010/main" val="404387043"/>
+      </p:ext>
+    </p:extLst>
+  </p:cSld>
+  <p:clrMapOvr>
+    <a:masterClrMapping/>
+  </p:clrMapOvr>
+</p:sld>
+</file>
+
+<file path=ppt/slides/slide3.xml><?xml version="1.0" encoding="utf-8"?>
+<p:sld xmlns:a="http://schemas.openxmlformats.org/drawingml/2006/main" xmlns:r="http://schemas.openxmlformats.org/officeDocument/2006/relationships" xmlns:p="http://schemas.openxmlformats.org/presentationml/2006/main">
+  <p:cSld>
+    <p:spTree>
+      <p:nvGrpSpPr>
+        <p:cNvPr id="1" name=""/>
+        <p:cNvGrpSpPr/>
+        <p:nvPr/>
+      </p:nvGrpSpPr>
+      <p:grpSpPr>
+        <a:xfrm>
+          <a:off x="0" y="0"/>
+          <a:ext cx="0" cy="0"/>
+          <a:chOff x="0" y="0"/>
+          <a:chExt cx="0" cy="0"/>
+        </a:xfrm>
+      </p:grpSpPr>
+      <p:sp>
+        <p:nvSpPr>
+          <p:cNvPr id="2" name="Title 1"/>
+          <p:cNvSpPr>
+            <a:spLocks noGrp="1"/>
+          </p:cNvSpPr>
+          <p:nvPr>
+            <p:ph type="title"/>
+          </p:nvPr>
+        </p:nvSpPr>
+        <p:spPr/>
+        <p:txBody>
+          <a:bodyPr/>
+          <a:lstStyle/>
+          <a:p>
+            <a:r>
+              <a:rPr lang="en-US" dirty="0" smtClean="0"/>
+              <a:t>Task 2: identify and update state</a:t>
+            </a:r>
+            <a:endParaRPr lang="en-US" dirty="0"/>
+          </a:p>
+        </p:txBody>
+      </p:sp>
+      <p:sp>
+        <p:nvSpPr>
+          <p:cNvPr id="3" name="Content Placeholder 2"/>
+          <p:cNvSpPr>
+            <a:spLocks noGrp="1"/>
+          </p:cNvSpPr>
+          <p:nvPr>
+            <p:ph idx="1"/>
+          </p:nvPr>
+        </p:nvSpPr>
+        <p:spPr/>
+        <p:txBody>
+          <a:bodyPr/>
+          <a:lstStyle/>
+          <a:p>
+            <a:r>
+              <a:rPr lang="en-US" dirty="0" smtClean="0"/>
+              <a:t>Identify a set of states that are appropriate for modeling the driving agent</a:t>
+            </a:r>
+          </a:p>
+          <a:p>
+            <a:pPr lvl="1"/>
+            <a:r>
+              <a:rPr lang="en-US" dirty="0" smtClean="0"/>
+              <a:t>Main source of state variables are current inputs</a:t>
+            </a:r>
+          </a:p>
+          <a:p>
+            <a:pPr lvl="1"/>
+            <a:r>
+              <a:rPr lang="en-US" dirty="0" smtClean="0"/>
+              <a:t>Current location, current heading, other cars’ location, other car’s heading, light is green or red, how many time steps </a:t>
+            </a:r>
+            <a:r>
+              <a:rPr lang="en-US" dirty="0" smtClean="0"/>
+              <a:t>left</a:t>
+            </a:r>
+            <a:r>
+              <a:rPr lang="en-US" dirty="0" smtClean="0"/>
+              <a:t>, destination. </a:t>
+            </a:r>
+            <a:endParaRPr lang="en-US" dirty="0" smtClean="0"/>
+          </a:p>
+          <a:p>
+            <a:r>
+              <a:rPr lang="en-US" dirty="0" smtClean="0"/>
+              <a:t>At each time step, process </a:t>
+            </a:r>
+            <a:r>
+              <a:rPr lang="en-US" dirty="0" smtClean="0"/>
+              <a:t>the </a:t>
+            </a:r>
+            <a:r>
+              <a:rPr lang="en-US" dirty="0" smtClean="0"/>
+              <a:t>inputs and update the current state. Observe how the reported state changes through the run. </a:t>
+            </a:r>
+          </a:p>
+          <a:p>
+            <a:r>
+              <a:rPr lang="en-US" dirty="0" smtClean="0"/>
+              <a:t>Justify why you picked these set of states, and how they model the agent and its environment. </a:t>
+            </a:r>
+            <a:endParaRPr lang="en-US" dirty="0"/>
+          </a:p>
+        </p:txBody>
+      </p:sp>
+    </p:spTree>
+    <p:extLst>
+      <p:ext uri="{BB962C8B-B14F-4D97-AF65-F5344CB8AC3E}">
+        <p14:creationId xmlns:p14="http://schemas.microsoft.com/office/powerpoint/2010/main" val="613219721"/>
+      </p:ext>
+    </p:extLst>
+  </p:cSld>
+  <p:clrMapOvr>
+    <a:masterClrMapping/>
+  </p:clrMapOvr>
+</p:sld>
+</file>
+
+<file path=ppt/slides/slide4.xml><?xml version="1.0" encoding="utf-8"?>
+<p:sld xmlns:a="http://schemas.openxmlformats.org/drawingml/2006/main" xmlns:r="http://schemas.openxmlformats.org/officeDocument/2006/relationships" xmlns:p="http://schemas.openxmlformats.org/presentationml/2006/main">
+  <p:cSld>
+    <p:spTree>
+      <p:nvGrpSpPr>
+        <p:cNvPr id="1" name=""/>
+        <p:cNvGrpSpPr/>
+        <p:nvPr/>
+      </p:nvGrpSpPr>
+      <p:grpSpPr>
+        <a:xfrm>
+          <a:off x="0" y="0"/>
+          <a:ext cx="0" cy="0"/>
+          <a:chOff x="0" y="0"/>
+          <a:chExt cx="0" cy="0"/>
+        </a:xfrm>
+      </p:grpSpPr>
+      <p:sp>
+        <p:nvSpPr>
+          <p:cNvPr id="2" name="Title 1"/>
+          <p:cNvSpPr>
+            <a:spLocks noGrp="1"/>
+          </p:cNvSpPr>
+          <p:nvPr>
+            <p:ph type="title"/>
+          </p:nvPr>
+        </p:nvSpPr>
+        <p:spPr/>
+        <p:txBody>
+          <a:bodyPr/>
+          <a:lstStyle/>
+          <a:p>
+            <a:r>
+              <a:rPr lang="en-US" dirty="0" smtClean="0"/>
+              <a:t>Task 3: Implement Q-learning </a:t>
+            </a:r>
+            <a:endParaRPr lang="en-US" dirty="0"/>
+          </a:p>
+        </p:txBody>
+      </p:sp>
+      <p:sp>
+        <p:nvSpPr>
+          <p:cNvPr id="3" name="Content Placeholder 2"/>
+          <p:cNvSpPr>
+            <a:spLocks noGrp="1"/>
+          </p:cNvSpPr>
+          <p:nvPr>
+            <p:ph idx="1"/>
+          </p:nvPr>
+        </p:nvSpPr>
+        <p:spPr/>
+        <p:txBody>
+          <a:bodyPr/>
+          <a:lstStyle/>
+          <a:p>
+            <a:r>
+              <a:rPr lang="en-US" dirty="0" smtClean="0"/>
+              <a:t>Initialize and update a table/mapping of Q-values at each time step.</a:t>
+            </a:r>
+          </a:p>
+          <a:p>
+            <a:r>
+              <a:rPr lang="en-US" dirty="0" smtClean="0"/>
+              <a:t>Instead of randomly selecting an action, pick the best action available from the current state based on Q-values.</a:t>
+            </a:r>
+          </a:p>
+          <a:p>
+            <a:r>
+              <a:rPr lang="en-US" dirty="0" smtClean="0"/>
+              <a:t>Each action generates a reward. Take this into account to update Q-values. </a:t>
+            </a:r>
+          </a:p>
+          <a:p>
+            <a:r>
+              <a:rPr lang="en-US" dirty="0" smtClean="0"/>
+              <a:t>What changes do you notice in the agent’s behavior?</a:t>
+            </a:r>
+            <a:endParaRPr lang="en-US" dirty="0"/>
+          </a:p>
+        </p:txBody>
+      </p:sp>
+    </p:spTree>
+    <p:extLst>
+      <p:ext uri="{BB962C8B-B14F-4D97-AF65-F5344CB8AC3E}">
+        <p14:creationId xmlns:p14="http://schemas.microsoft.com/office/powerpoint/2010/main" val="524832998"/>
+      </p:ext>
+    </p:extLst>
+  </p:cSld>
+  <p:clrMapOvr>
+    <a:masterClrMapping/>
+  </p:clrMapOvr>
+</p:sld>
+</file>
+
+<file path=ppt/slides/slide5.xml><?xml version="1.0" encoding="utf-8"?>
+<p:sld xmlns:a="http://schemas.openxmlformats.org/drawingml/2006/main" xmlns:r="http://schemas.openxmlformats.org/officeDocument/2006/relationships" xmlns:p="http://schemas.openxmlformats.org/presentationml/2006/main">
+  <p:cSld>
+    <p:spTree>
+      <p:nvGrpSpPr>
+        <p:cNvPr id="1" name=""/>
+        <p:cNvGrpSpPr/>
+        <p:nvPr/>
+      </p:nvGrpSpPr>
+      <p:grpSpPr>
+        <a:xfrm>
+          <a:off x="0" y="0"/>
+          <a:ext cx="0" cy="0"/>
+          <a:chOff x="0" y="0"/>
+          <a:chExt cx="0" cy="0"/>
+        </a:xfrm>
+      </p:grpSpPr>
+      <p:sp>
+        <p:nvSpPr>
+          <p:cNvPr id="2" name="Title 1"/>
+          <p:cNvSpPr>
+            <a:spLocks noGrp="1"/>
+          </p:cNvSpPr>
+          <p:nvPr>
+            <p:ph type="title"/>
+          </p:nvPr>
+        </p:nvSpPr>
+        <p:spPr/>
+        <p:txBody>
+          <a:bodyPr/>
+          <a:lstStyle/>
+          <a:p>
+            <a:r>
+              <a:rPr lang="en-US" dirty="0" smtClean="0"/>
+              <a:t>Task 4: Enhance the driving agent</a:t>
+            </a:r>
+            <a:endParaRPr lang="en-US" dirty="0"/>
+          </a:p>
+        </p:txBody>
+      </p:sp>
+      <p:sp>
+        <p:nvSpPr>
+          <p:cNvPr id="3" name="Content Placeholder 2"/>
+          <p:cNvSpPr>
+            <a:spLocks noGrp="1"/>
+          </p:cNvSpPr>
+          <p:nvPr>
+            <p:ph idx="1"/>
+          </p:nvPr>
+        </p:nvSpPr>
+        <p:spPr/>
+        <p:txBody>
+          <a:bodyPr/>
+          <a:lstStyle/>
+          <a:p>
+            <a:r>
+              <a:rPr lang="en-US" dirty="0" smtClean="0"/>
+              <a:t>Tweak the parameters (learning rate, discount factor, action selection method) to improve the performance of the agent. </a:t>
+            </a:r>
+          </a:p>
+          <a:p>
+            <a:r>
+              <a:rPr lang="en-US" dirty="0" smtClean="0"/>
+              <a:t>Goal: get it to a point so that within 100 trials, the agent is able to learn a feasible policy – reach the destination within the allotted time, with net reward remaining positive. </a:t>
+            </a:r>
+          </a:p>
+          <a:p>
+            <a:r>
+              <a:rPr lang="en-US" dirty="0" smtClean="0"/>
+              <a:t>What changes you made to your basic implementation of Q-learning to achieve the final version of the agent? How well does it perform?</a:t>
+            </a:r>
+            <a:endParaRPr lang="en-US" dirty="0"/>
+          </a:p>
+        </p:txBody>
+      </p:sp>
+    </p:spTree>
+    <p:extLst>
+      <p:ext uri="{BB962C8B-B14F-4D97-AF65-F5344CB8AC3E}">
+        <p14:creationId xmlns:p14="http://schemas.microsoft.com/office/powerpoint/2010/main" val="2141002911"/>
       </p:ext>
     </p:extLst>
   </p:cSld>
